--- a/PHP培训.pptx
+++ b/PHP培训.pptx
@@ -11,6 +11,18 @@
     <p:sldId id="258" r:id="rId5"/>
     <p:sldId id="259" r:id="rId6"/>
     <p:sldId id="261" r:id="rId7"/>
+    <p:sldId id="262" r:id="rId8"/>
+    <p:sldId id="263" r:id="rId9"/>
+    <p:sldId id="264" r:id="rId10"/>
+    <p:sldId id="265" r:id="rId11"/>
+    <p:sldId id="266" r:id="rId12"/>
+    <p:sldId id="267" r:id="rId13"/>
+    <p:sldId id="268" r:id="rId14"/>
+    <p:sldId id="269" r:id="rId15"/>
+    <p:sldId id="270" r:id="rId16"/>
+    <p:sldId id="271" r:id="rId17"/>
+    <p:sldId id="272" r:id="rId18"/>
+    <p:sldId id="273" r:id="rId19"/>
   </p:sldIdLst>
   <p:sldSz cx="12192000" cy="6858000"/>
   <p:notesSz cx="6858000" cy="9144000"/>
@@ -109,6 +121,11 @@
       </a:defRPr>
     </a:lvl9pPr>
   </p:defaultTextStyle>
+  <p:extLst>
+    <p:ext uri="{EFAFB233-063F-42B5-8137-9DF3F51BA10A}">
+      <p15:sldGuideLst xmlns:p15="http://schemas.microsoft.com/office/powerpoint/2012/main"/>
+    </p:ext>
+  </p:extLst>
 </p:presentation>
 </file>
 
@@ -3009,6 +3026,1492 @@
 </p:sld>
 </file>
 
+<file path=ppt/slides/slide10.xml><?xml version="1.0" encoding="utf-8"?>
+<p:sld xmlns:a="http://schemas.openxmlformats.org/drawingml/2006/main" xmlns:r="http://schemas.openxmlformats.org/officeDocument/2006/relationships" xmlns:p="http://schemas.openxmlformats.org/presentationml/2006/main">
+  <p:cSld>
+    <p:spTree>
+      <p:nvGrpSpPr>
+        <p:cNvPr id="1" name=""/>
+        <p:cNvGrpSpPr/>
+        <p:nvPr/>
+      </p:nvGrpSpPr>
+      <p:grpSpPr>
+        <a:xfrm>
+          <a:off x="0" y="0"/>
+          <a:ext cx="0" cy="0"/>
+          <a:chOff x="0" y="0"/>
+          <a:chExt cx="0" cy="0"/>
+        </a:xfrm>
+      </p:grpSpPr>
+      <p:sp>
+        <p:nvSpPr>
+          <p:cNvPr id="2" name="标题 1"/>
+          <p:cNvSpPr>
+            <a:spLocks noGrp="1"/>
+          </p:cNvSpPr>
+          <p:nvPr>
+            <p:ph type="title"/>
+          </p:nvPr>
+        </p:nvSpPr>
+        <p:spPr/>
+        <p:txBody>
+          <a:bodyPr/>
+          <a:lstStyle/>
+          <a:p>
+            <a:r>
+              <a:rPr lang="en-US" altLang="zh-CN" dirty="0" err="1"/>
+              <a:t>Yii</a:t>
+            </a:r>
+            <a:endParaRPr lang="en-US" dirty="0"/>
+          </a:p>
+        </p:txBody>
+      </p:sp>
+      <p:sp>
+        <p:nvSpPr>
+          <p:cNvPr id="3" name="内容占位符 2"/>
+          <p:cNvSpPr>
+            <a:spLocks noGrp="1"/>
+          </p:cNvSpPr>
+          <p:nvPr>
+            <p:ph idx="1"/>
+          </p:nvPr>
+        </p:nvSpPr>
+        <p:spPr/>
+        <p:txBody>
+          <a:bodyPr>
+            <a:normAutofit lnSpcReduction="10000"/>
+          </a:bodyPr>
+          <a:lstStyle/>
+          <a:p>
+            <a:pPr marL="0" indent="0">
+              <a:buNone/>
+            </a:pPr>
+            <a:r>
+              <a:rPr lang="en-US" altLang="zh-CN" dirty="0" smtClean="0"/>
+              <a:t>	</a:t>
+            </a:r>
+            <a:r>
+              <a:rPr lang="zh-CN" altLang="en-US" dirty="0" smtClean="0"/>
+              <a:t>快速，安全，专业的 </a:t>
+            </a:r>
+            <a:r>
+              <a:rPr lang="en-US" altLang="zh-CN" dirty="0" smtClean="0"/>
+              <a:t>PHP </a:t>
+            </a:r>
+            <a:r>
+              <a:rPr lang="zh-CN" altLang="en-US" dirty="0"/>
+              <a:t>框架，适用于开发 </a:t>
+            </a:r>
+            <a:r>
+              <a:rPr lang="en-US" altLang="zh-CN" dirty="0"/>
+              <a:t>WEB2.0 </a:t>
+            </a:r>
+            <a:r>
+              <a:rPr lang="zh-CN" altLang="en-US" dirty="0"/>
+              <a:t>应用的 </a:t>
+            </a:r>
+            <a:r>
+              <a:rPr lang="en-US" altLang="zh-CN" dirty="0"/>
+              <a:t>PHP </a:t>
+            </a:r>
+            <a:r>
+              <a:rPr lang="zh-CN" altLang="en-US" dirty="0" smtClean="0"/>
+              <a:t>框架。</a:t>
+            </a:r>
+            <a:endParaRPr lang="en-US" altLang="zh-CN" dirty="0" smtClean="0"/>
+          </a:p>
+          <a:p>
+            <a:pPr marL="0" indent="0">
+              <a:buNone/>
+            </a:pPr>
+            <a:r>
+              <a:rPr lang="zh-CN" altLang="en-US" dirty="0" smtClean="0"/>
+              <a:t>特点：</a:t>
+            </a:r>
+            <a:endParaRPr lang="en-US" altLang="zh-CN" dirty="0" smtClean="0"/>
+          </a:p>
+          <a:p>
+            <a:pPr lvl="1"/>
+            <a:r>
+              <a:rPr lang="en-US" dirty="0" smtClean="0"/>
+              <a:t>MVC</a:t>
+            </a:r>
+          </a:p>
+          <a:p>
+            <a:pPr lvl="1"/>
+            <a:r>
+              <a:rPr lang="en-US" dirty="0" smtClean="0"/>
+              <a:t>DAO/</a:t>
+            </a:r>
+            <a:r>
+              <a:rPr lang="en-US" dirty="0" err="1" smtClean="0"/>
+              <a:t>ActiveRecord</a:t>
+            </a:r>
+            <a:endParaRPr lang="en-US" dirty="0" smtClean="0"/>
+          </a:p>
+          <a:p>
+            <a:pPr lvl="1"/>
+            <a:r>
+              <a:rPr lang="en-US" dirty="0" smtClean="0"/>
+              <a:t>I18N/L10N</a:t>
+            </a:r>
+            <a:endParaRPr lang="en-US" dirty="0"/>
+          </a:p>
+          <a:p>
+            <a:pPr lvl="1"/>
+            <a:r>
+              <a:rPr lang="zh-CN" altLang="en-US" dirty="0" smtClean="0"/>
+              <a:t>缓存</a:t>
+            </a:r>
+            <a:endParaRPr lang="en-US" altLang="zh-CN" dirty="0" smtClean="0"/>
+          </a:p>
+          <a:p>
+            <a:pPr lvl="1"/>
+            <a:r>
+              <a:rPr lang="zh-CN" altLang="en-US" dirty="0" smtClean="0"/>
+              <a:t>身份</a:t>
+            </a:r>
+            <a:r>
+              <a:rPr lang="zh-CN" altLang="en-US" dirty="0"/>
+              <a:t>验证和基于角色的访问</a:t>
+            </a:r>
+            <a:r>
+              <a:rPr lang="zh-CN" altLang="en-US" dirty="0" smtClean="0"/>
+              <a:t>控制</a:t>
+            </a:r>
+            <a:endParaRPr lang="en-US" altLang="zh-CN" dirty="0" smtClean="0"/>
+          </a:p>
+          <a:p>
+            <a:pPr lvl="1"/>
+            <a:r>
+              <a:rPr lang="zh-CN" altLang="en-US" dirty="0" smtClean="0"/>
+              <a:t>脚手架</a:t>
+            </a:r>
+            <a:endParaRPr lang="en-US" altLang="zh-CN" dirty="0" smtClean="0"/>
+          </a:p>
+          <a:p>
+            <a:pPr lvl="1"/>
+            <a:r>
+              <a:rPr lang="zh-CN" altLang="en-US" dirty="0" smtClean="0"/>
+              <a:t>测试</a:t>
+            </a:r>
+            <a:endParaRPr lang="en-US" altLang="zh-CN" dirty="0" smtClean="0"/>
+          </a:p>
+          <a:p>
+            <a:pPr lvl="1"/>
+            <a:r>
+              <a:rPr lang="en-US" dirty="0"/>
+              <a:t>CURD</a:t>
+            </a:r>
+            <a:r>
+              <a:rPr lang="zh-CN" altLang="en-US" dirty="0" smtClean="0"/>
+              <a:t>自动化</a:t>
+            </a:r>
+            <a:endParaRPr lang="en-US" dirty="0"/>
+          </a:p>
+        </p:txBody>
+      </p:sp>
+    </p:spTree>
+    <p:extLst>
+      <p:ext uri="{BB962C8B-B14F-4D97-AF65-F5344CB8AC3E}">
+        <p14:creationId xmlns:p14="http://schemas.microsoft.com/office/powerpoint/2010/main" val="1225482320"/>
+      </p:ext>
+    </p:extLst>
+  </p:cSld>
+  <p:clrMapOvr>
+    <a:masterClrMapping/>
+  </p:clrMapOvr>
+</p:sld>
+</file>
+
+<file path=ppt/slides/slide11.xml><?xml version="1.0" encoding="utf-8"?>
+<p:sld xmlns:a="http://schemas.openxmlformats.org/drawingml/2006/main" xmlns:r="http://schemas.openxmlformats.org/officeDocument/2006/relationships" xmlns:p="http://schemas.openxmlformats.org/presentationml/2006/main">
+  <p:cSld>
+    <p:spTree>
+      <p:nvGrpSpPr>
+        <p:cNvPr id="1" name=""/>
+        <p:cNvGrpSpPr/>
+        <p:nvPr/>
+      </p:nvGrpSpPr>
+      <p:grpSpPr>
+        <a:xfrm>
+          <a:off x="0" y="0"/>
+          <a:ext cx="0" cy="0"/>
+          <a:chOff x="0" y="0"/>
+          <a:chExt cx="0" cy="0"/>
+        </a:xfrm>
+      </p:grpSpPr>
+      <p:sp>
+        <p:nvSpPr>
+          <p:cNvPr id="2" name="标题 1"/>
+          <p:cNvSpPr>
+            <a:spLocks noGrp="1"/>
+          </p:cNvSpPr>
+          <p:nvPr>
+            <p:ph type="title"/>
+          </p:nvPr>
+        </p:nvSpPr>
+        <p:spPr/>
+        <p:txBody>
+          <a:bodyPr/>
+          <a:lstStyle/>
+          <a:p>
+            <a:r>
+              <a:rPr lang="en-US" altLang="zh-CN" dirty="0" err="1"/>
+              <a:t>ThinkPHP</a:t>
+            </a:r>
+            <a:endParaRPr lang="en-US" dirty="0"/>
+          </a:p>
+        </p:txBody>
+      </p:sp>
+      <p:sp>
+        <p:nvSpPr>
+          <p:cNvPr id="3" name="内容占位符 2"/>
+          <p:cNvSpPr>
+            <a:spLocks noGrp="1"/>
+          </p:cNvSpPr>
+          <p:nvPr>
+            <p:ph idx="1"/>
+          </p:nvPr>
+        </p:nvSpPr>
+        <p:spPr/>
+        <p:txBody>
+          <a:bodyPr>
+            <a:normAutofit/>
+          </a:bodyPr>
+          <a:lstStyle/>
+          <a:p>
+            <a:pPr marL="0" indent="0">
+              <a:buNone/>
+            </a:pPr>
+            <a:r>
+              <a:rPr lang="en-US" altLang="zh-CN" dirty="0" smtClean="0"/>
+              <a:t>	</a:t>
+            </a:r>
+            <a:r>
+              <a:rPr lang="zh-CN" altLang="en-US" dirty="0" smtClean="0"/>
+              <a:t>为了</a:t>
+            </a:r>
+            <a:r>
+              <a:rPr lang="zh-CN" altLang="en-US" dirty="0"/>
+              <a:t>简化企业级应用开发和敏捷</a:t>
+            </a:r>
+            <a:r>
+              <a:rPr lang="en-US" altLang="zh-CN" dirty="0"/>
+              <a:t>WEB</a:t>
+            </a:r>
+            <a:r>
+              <a:rPr lang="zh-CN" altLang="en-US" dirty="0"/>
+              <a:t>应用开发而诞生</a:t>
+            </a:r>
+            <a:r>
+              <a:rPr lang="zh-CN" altLang="en-US" dirty="0" smtClean="0"/>
+              <a:t>的</a:t>
+            </a:r>
+            <a:r>
+              <a:rPr lang="en-US" altLang="zh-CN" dirty="0" smtClean="0"/>
+              <a:t>,</a:t>
+            </a:r>
+            <a:r>
+              <a:rPr lang="zh-CN" altLang="en-US" dirty="0"/>
+              <a:t> 是一个快速、兼容而且简单的轻量级国产</a:t>
+            </a:r>
+            <a:r>
+              <a:rPr lang="en-US" altLang="zh-CN" dirty="0"/>
+              <a:t>PHP</a:t>
+            </a:r>
+            <a:r>
+              <a:rPr lang="zh-CN" altLang="en-US" dirty="0"/>
+              <a:t>开发</a:t>
+            </a:r>
+            <a:r>
+              <a:rPr lang="zh-CN" altLang="en-US" dirty="0" smtClean="0"/>
+              <a:t>框架</a:t>
+            </a:r>
+            <a:r>
+              <a:rPr lang="en-US" altLang="zh-CN" dirty="0" smtClean="0"/>
+              <a:t>.</a:t>
+            </a:r>
+          </a:p>
+          <a:p>
+            <a:pPr marL="0" indent="0">
+              <a:buNone/>
+            </a:pPr>
+            <a:r>
+              <a:rPr lang="zh-CN" altLang="en-US" dirty="0" smtClean="0"/>
+              <a:t>特点</a:t>
+            </a:r>
+            <a:r>
+              <a:rPr lang="en-US" altLang="zh-CN" dirty="0" smtClean="0"/>
+              <a:t>:</a:t>
+            </a:r>
+          </a:p>
+          <a:p>
+            <a:pPr lvl="1"/>
+            <a:r>
+              <a:rPr lang="en-US" dirty="0" smtClean="0"/>
+              <a:t>MVC</a:t>
+            </a:r>
+          </a:p>
+          <a:p>
+            <a:pPr lvl="1"/>
+            <a:r>
+              <a:rPr lang="zh-CN" altLang="en-US" dirty="0" smtClean="0"/>
+              <a:t>模板引擎</a:t>
+            </a:r>
+            <a:endParaRPr lang="en-US" altLang="zh-CN" dirty="0" smtClean="0"/>
+          </a:p>
+          <a:p>
+            <a:pPr lvl="1"/>
+            <a:r>
+              <a:rPr lang="zh-CN" altLang="en-US" dirty="0" smtClean="0"/>
+              <a:t>缓存机制</a:t>
+            </a:r>
+            <a:endParaRPr lang="en-US" altLang="zh-CN" dirty="0" smtClean="0"/>
+          </a:p>
+          <a:p>
+            <a:pPr lvl="1"/>
+            <a:r>
+              <a:rPr lang="zh-CN" altLang="en-US" dirty="0" smtClean="0"/>
+              <a:t>插件机制</a:t>
+            </a:r>
+            <a:endParaRPr lang="en-US" altLang="zh-CN" dirty="0" smtClean="0"/>
+          </a:p>
+          <a:p>
+            <a:pPr lvl="1"/>
+            <a:r>
+              <a:rPr lang="zh-CN" altLang="en-US" dirty="0" smtClean="0"/>
+              <a:t>角色认证</a:t>
+            </a:r>
+            <a:endParaRPr lang="en-US" altLang="zh-CN" dirty="0" smtClean="0"/>
+          </a:p>
+          <a:p>
+            <a:pPr lvl="1"/>
+            <a:r>
+              <a:rPr lang="en-US" dirty="0" smtClean="0"/>
+              <a:t>CURD</a:t>
+            </a:r>
+            <a:r>
+              <a:rPr lang="zh-CN" altLang="en-US" dirty="0" smtClean="0"/>
+              <a:t>自动化</a:t>
+            </a:r>
+            <a:endParaRPr lang="en-US" dirty="0"/>
+          </a:p>
+        </p:txBody>
+      </p:sp>
+    </p:spTree>
+    <p:extLst>
+      <p:ext uri="{BB962C8B-B14F-4D97-AF65-F5344CB8AC3E}">
+        <p14:creationId xmlns:p14="http://schemas.microsoft.com/office/powerpoint/2010/main" val="1018234021"/>
+      </p:ext>
+    </p:extLst>
+  </p:cSld>
+  <p:clrMapOvr>
+    <a:masterClrMapping/>
+  </p:clrMapOvr>
+</p:sld>
+</file>
+
+<file path=ppt/slides/slide12.xml><?xml version="1.0" encoding="utf-8"?>
+<p:sld xmlns:a="http://schemas.openxmlformats.org/drawingml/2006/main" xmlns:r="http://schemas.openxmlformats.org/officeDocument/2006/relationships" xmlns:p="http://schemas.openxmlformats.org/presentationml/2006/main">
+  <p:cSld>
+    <p:spTree>
+      <p:nvGrpSpPr>
+        <p:cNvPr id="1" name=""/>
+        <p:cNvGrpSpPr/>
+        <p:nvPr/>
+      </p:nvGrpSpPr>
+      <p:grpSpPr>
+        <a:xfrm>
+          <a:off x="0" y="0"/>
+          <a:ext cx="0" cy="0"/>
+          <a:chOff x="0" y="0"/>
+          <a:chExt cx="0" cy="0"/>
+        </a:xfrm>
+      </p:grpSpPr>
+      <p:sp>
+        <p:nvSpPr>
+          <p:cNvPr id="2" name="标题 1"/>
+          <p:cNvSpPr>
+            <a:spLocks noGrp="1"/>
+          </p:cNvSpPr>
+          <p:nvPr>
+            <p:ph type="title"/>
+          </p:nvPr>
+        </p:nvSpPr>
+        <p:spPr/>
+        <p:txBody>
+          <a:bodyPr/>
+          <a:lstStyle/>
+          <a:p>
+            <a:r>
+              <a:rPr lang="en-US" altLang="zh-CN" dirty="0" smtClean="0"/>
+              <a:t>WordPress</a:t>
+            </a:r>
+            <a:endParaRPr lang="en-US" dirty="0"/>
+          </a:p>
+        </p:txBody>
+      </p:sp>
+      <p:sp>
+        <p:nvSpPr>
+          <p:cNvPr id="3" name="内容占位符 2"/>
+          <p:cNvSpPr>
+            <a:spLocks noGrp="1"/>
+          </p:cNvSpPr>
+          <p:nvPr>
+            <p:ph idx="1"/>
+          </p:nvPr>
+        </p:nvSpPr>
+        <p:spPr/>
+        <p:txBody>
+          <a:bodyPr/>
+          <a:lstStyle/>
+          <a:p>
+            <a:pPr marL="0" indent="0">
+              <a:buNone/>
+            </a:pPr>
+            <a:r>
+              <a:rPr lang="zh-CN" altLang="en-US" dirty="0" smtClean="0"/>
+              <a:t>个人博客框架，逐步演化为内容管理</a:t>
+            </a:r>
+            <a:r>
+              <a:rPr lang="en-US" altLang="zh-CN" dirty="0" smtClean="0"/>
+              <a:t>(CMS)</a:t>
+            </a:r>
+            <a:r>
+              <a:rPr lang="zh-CN" altLang="en-US" dirty="0" smtClean="0"/>
+              <a:t>使用</a:t>
+            </a:r>
+            <a:endParaRPr lang="en-US" altLang="zh-CN" dirty="0" smtClean="0"/>
+          </a:p>
+          <a:p>
+            <a:pPr marL="0" indent="0">
+              <a:buNone/>
+            </a:pPr>
+            <a:r>
+              <a:rPr lang="zh-CN" altLang="en-US" dirty="0" smtClean="0"/>
+              <a:t>特点</a:t>
+            </a:r>
+            <a:r>
+              <a:rPr lang="en-US" altLang="zh-CN" dirty="0" smtClean="0"/>
+              <a:t>:</a:t>
+            </a:r>
+          </a:p>
+          <a:p>
+            <a:r>
+              <a:rPr lang="zh-CN" altLang="en-US" dirty="0" smtClean="0"/>
+              <a:t>功能</a:t>
+            </a:r>
+            <a:r>
+              <a:rPr lang="zh-CN" altLang="en-US" dirty="0"/>
+              <a:t>强大、扩展性</a:t>
+            </a:r>
+            <a:r>
+              <a:rPr lang="zh-CN" altLang="en-US" dirty="0" smtClean="0"/>
+              <a:t>强</a:t>
+            </a:r>
+            <a:r>
+              <a:rPr lang="en-US" altLang="zh-CN" dirty="0" smtClean="0"/>
+              <a:t>,</a:t>
+            </a:r>
+            <a:r>
+              <a:rPr lang="zh-CN" altLang="en-US" dirty="0" smtClean="0"/>
+              <a:t>插件非常之多</a:t>
+            </a:r>
+            <a:endParaRPr lang="en-US" altLang="zh-CN" dirty="0" smtClean="0"/>
+          </a:p>
+          <a:p>
+            <a:r>
+              <a:rPr lang="en-US" altLang="zh-CN" dirty="0" err="1"/>
+              <a:t>seo</a:t>
+            </a:r>
+            <a:r>
+              <a:rPr lang="zh-CN" altLang="en-US" dirty="0"/>
+              <a:t>搜索引擎友好，收录也快，排名靠</a:t>
+            </a:r>
+            <a:r>
+              <a:rPr lang="zh-CN" altLang="en-US" dirty="0" smtClean="0"/>
+              <a:t>前</a:t>
+            </a:r>
+            <a:endParaRPr lang="en-US" altLang="zh-CN" dirty="0" smtClean="0"/>
+          </a:p>
+          <a:p>
+            <a:r>
+              <a:rPr lang="zh-CN" altLang="en-US" dirty="0"/>
+              <a:t>适合</a:t>
+            </a:r>
+            <a:r>
+              <a:rPr lang="en-US" dirty="0" smtClean="0"/>
+              <a:t>DIY</a:t>
+            </a:r>
+          </a:p>
+          <a:p>
+            <a:r>
+              <a:rPr lang="zh-CN" altLang="en-US" dirty="0" smtClean="0"/>
+              <a:t>主题丰富</a:t>
+            </a:r>
+            <a:endParaRPr lang="en-US" altLang="zh-CN" dirty="0" smtClean="0"/>
+          </a:p>
+          <a:p>
+            <a:r>
+              <a:rPr lang="zh-CN" altLang="en-US" dirty="0" smtClean="0"/>
+              <a:t>数据备份迁移方便</a:t>
+            </a:r>
+            <a:endParaRPr lang="en-US" altLang="zh-CN" dirty="0" smtClean="0"/>
+          </a:p>
+          <a:p>
+            <a:r>
+              <a:rPr lang="zh-CN" altLang="en-US" dirty="0" smtClean="0"/>
+              <a:t>强大的社区支持</a:t>
+            </a:r>
+            <a:endParaRPr lang="en-US" dirty="0"/>
+          </a:p>
+        </p:txBody>
+      </p:sp>
+    </p:spTree>
+    <p:extLst>
+      <p:ext uri="{BB962C8B-B14F-4D97-AF65-F5344CB8AC3E}">
+        <p14:creationId xmlns:p14="http://schemas.microsoft.com/office/powerpoint/2010/main" val="1483387020"/>
+      </p:ext>
+    </p:extLst>
+  </p:cSld>
+  <p:clrMapOvr>
+    <a:masterClrMapping/>
+  </p:clrMapOvr>
+  <p:timing>
+    <p:tnLst>
+      <p:par>
+        <p:cTn id="1" dur="indefinite" restart="never" nodeType="tmRoot"/>
+      </p:par>
+    </p:tnLst>
+  </p:timing>
+</p:sld>
+</file>
+
+<file path=ppt/slides/slide13.xml><?xml version="1.0" encoding="utf-8"?>
+<p:sld xmlns:a="http://schemas.openxmlformats.org/drawingml/2006/main" xmlns:r="http://schemas.openxmlformats.org/officeDocument/2006/relationships" xmlns:p="http://schemas.openxmlformats.org/presentationml/2006/main">
+  <p:cSld>
+    <p:spTree>
+      <p:nvGrpSpPr>
+        <p:cNvPr id="1" name=""/>
+        <p:cNvGrpSpPr/>
+        <p:nvPr/>
+      </p:nvGrpSpPr>
+      <p:grpSpPr>
+        <a:xfrm>
+          <a:off x="0" y="0"/>
+          <a:ext cx="0" cy="0"/>
+          <a:chOff x="0" y="0"/>
+          <a:chExt cx="0" cy="0"/>
+        </a:xfrm>
+      </p:grpSpPr>
+      <p:sp>
+        <p:nvSpPr>
+          <p:cNvPr id="2" name="标题 1"/>
+          <p:cNvSpPr>
+            <a:spLocks noGrp="1"/>
+          </p:cNvSpPr>
+          <p:nvPr>
+            <p:ph type="title"/>
+          </p:nvPr>
+        </p:nvSpPr>
+        <p:spPr>
+          <a:xfrm>
+            <a:off x="838200" y="365125"/>
+            <a:ext cx="10515600" cy="951057"/>
+          </a:xfrm>
+        </p:spPr>
+        <p:txBody>
+          <a:bodyPr/>
+          <a:lstStyle/>
+          <a:p>
+            <a:r>
+              <a:rPr lang="en-US" altLang="zh-CN" dirty="0"/>
+              <a:t>Drupal</a:t>
+            </a:r>
+            <a:endParaRPr lang="en-US" dirty="0"/>
+          </a:p>
+        </p:txBody>
+      </p:sp>
+      <p:sp>
+        <p:nvSpPr>
+          <p:cNvPr id="3" name="内容占位符 2"/>
+          <p:cNvSpPr>
+            <a:spLocks noGrp="1"/>
+          </p:cNvSpPr>
+          <p:nvPr>
+            <p:ph idx="1"/>
+          </p:nvPr>
+        </p:nvSpPr>
+        <p:spPr>
+          <a:xfrm>
+            <a:off x="838200" y="1801091"/>
+            <a:ext cx="10515600" cy="4375872"/>
+          </a:xfrm>
+        </p:spPr>
+        <p:txBody>
+          <a:bodyPr>
+            <a:normAutofit lnSpcReduction="10000"/>
+          </a:bodyPr>
+          <a:lstStyle/>
+          <a:p>
+            <a:pPr marL="0" indent="0">
+              <a:buNone/>
+            </a:pPr>
+            <a:r>
+              <a:rPr lang="en-US" altLang="zh-CN" dirty="0" smtClean="0"/>
+              <a:t>	</a:t>
+            </a:r>
+            <a:r>
+              <a:rPr lang="zh-CN" altLang="en-US" sz="1500" dirty="0" smtClean="0"/>
+              <a:t>开发型内容管理系统</a:t>
+            </a:r>
+            <a:r>
+              <a:rPr lang="en-US" altLang="zh-CN" sz="1500" dirty="0" smtClean="0"/>
+              <a:t>(CMF),</a:t>
+            </a:r>
+            <a:r>
+              <a:rPr lang="zh-CN" altLang="en-US" sz="1500" dirty="0"/>
+              <a:t> 它由内容管理系统（</a:t>
+            </a:r>
+            <a:r>
+              <a:rPr lang="en-US" altLang="zh-CN" sz="1500" dirty="0"/>
+              <a:t>CMS</a:t>
+            </a:r>
+            <a:r>
+              <a:rPr lang="zh-CN" altLang="en-US" sz="1500" dirty="0"/>
+              <a:t>）和</a:t>
+            </a:r>
+            <a:r>
+              <a:rPr lang="en-US" altLang="zh-CN" sz="1500" dirty="0"/>
+              <a:t>PHP</a:t>
+            </a:r>
+            <a:r>
+              <a:rPr lang="zh-CN" altLang="en-US" sz="1500" dirty="0"/>
+              <a:t>开发框架（</a:t>
+            </a:r>
+            <a:r>
+              <a:rPr lang="en-US" altLang="zh-CN" sz="1500" dirty="0"/>
+              <a:t>Framework</a:t>
+            </a:r>
+            <a:r>
+              <a:rPr lang="zh-CN" altLang="en-US" sz="1500" dirty="0"/>
+              <a:t>）共同</a:t>
+            </a:r>
+            <a:r>
+              <a:rPr lang="zh-CN" altLang="en-US" sz="1500" dirty="0" smtClean="0"/>
+              <a:t>构成</a:t>
+            </a:r>
+            <a:r>
+              <a:rPr lang="en-US" altLang="zh-CN" sz="1500" dirty="0" smtClean="0"/>
+              <a:t>,</a:t>
+            </a:r>
+            <a:r>
+              <a:rPr lang="zh-CN" altLang="en-US" sz="1500" dirty="0"/>
+              <a:t> </a:t>
+            </a:r>
+            <a:r>
+              <a:rPr lang="zh-CN" altLang="en-US" sz="1500" b="1" dirty="0"/>
+              <a:t>最著名</a:t>
+            </a:r>
+            <a:r>
+              <a:rPr lang="zh-CN" altLang="en-US" sz="1500" b="1" dirty="0" smtClean="0"/>
+              <a:t>的</a:t>
+            </a:r>
+            <a:r>
+              <a:rPr lang="en-US" altLang="zh-CN" sz="1500" b="1" dirty="0" smtClean="0"/>
+              <a:t>PHP WEB</a:t>
+            </a:r>
+            <a:r>
+              <a:rPr lang="zh-CN" altLang="en-US" sz="1500" b="1" dirty="0" smtClean="0"/>
+              <a:t>应用框架</a:t>
+            </a:r>
+            <a:r>
+              <a:rPr lang="zh-CN" altLang="en-US" sz="1500" dirty="0" smtClean="0"/>
+              <a:t>。</a:t>
+            </a:r>
+            <a:endParaRPr lang="en-US" altLang="zh-CN" sz="1500" dirty="0" smtClean="0"/>
+          </a:p>
+          <a:p>
+            <a:pPr marL="0" indent="0">
+              <a:buNone/>
+            </a:pPr>
+            <a:r>
+              <a:rPr lang="en-US" altLang="zh-CN" sz="1500" dirty="0" smtClean="0"/>
+              <a:t>	</a:t>
+            </a:r>
+            <a:r>
+              <a:rPr lang="zh-CN" altLang="en-US" sz="1500" dirty="0" smtClean="0"/>
+              <a:t>由内核</a:t>
+            </a:r>
+            <a:r>
+              <a:rPr lang="zh-CN" altLang="en-US" sz="1500" dirty="0"/>
+              <a:t>、模块、</a:t>
+            </a:r>
+            <a:r>
+              <a:rPr lang="zh-CN" altLang="en-US" sz="1500" dirty="0" smtClean="0"/>
+              <a:t>主题组成，通过钩子</a:t>
+            </a:r>
+            <a:r>
+              <a:rPr lang="en-US" altLang="zh-CN" sz="1500" dirty="0" smtClean="0"/>
+              <a:t>(hook)</a:t>
+            </a:r>
+            <a:r>
+              <a:rPr lang="zh-CN" altLang="en-US" sz="1500" dirty="0" smtClean="0"/>
+              <a:t>机制紧密联系。</a:t>
+            </a:r>
+            <a:endParaRPr lang="en-US" altLang="zh-CN" sz="1500" dirty="0" smtClean="0"/>
+          </a:p>
+          <a:p>
+            <a:pPr marL="457200" lvl="1" indent="0">
+              <a:buNone/>
+            </a:pPr>
+            <a:r>
+              <a:rPr lang="zh-CN" altLang="en-US" sz="1700" dirty="0" smtClean="0"/>
+              <a:t>功能</a:t>
+            </a:r>
+            <a:r>
+              <a:rPr lang="en-US" altLang="zh-CN" sz="1700" dirty="0" smtClean="0"/>
+              <a:t>:</a:t>
+            </a:r>
+          </a:p>
+          <a:p>
+            <a:pPr lvl="2"/>
+            <a:r>
+              <a:rPr lang="en-US" sz="1700" dirty="0" smtClean="0"/>
+              <a:t>Block(</a:t>
+            </a:r>
+            <a:r>
+              <a:rPr lang="zh-CN" altLang="en-US" sz="1700" dirty="0" smtClean="0"/>
+              <a:t>区块</a:t>
+            </a:r>
+            <a:r>
+              <a:rPr lang="en-US" sz="1700" dirty="0" smtClean="0"/>
+              <a:t>)</a:t>
+            </a:r>
+          </a:p>
+          <a:p>
+            <a:pPr lvl="2"/>
+            <a:r>
+              <a:rPr lang="en-US" sz="1700" dirty="0" smtClean="0"/>
+              <a:t>Box(</a:t>
+            </a:r>
+            <a:r>
+              <a:rPr lang="zh-CN" altLang="en-US" sz="1700" dirty="0" smtClean="0"/>
+              <a:t>盒子</a:t>
+            </a:r>
+            <a:r>
+              <a:rPr lang="en-US" sz="1700" dirty="0" smtClean="0"/>
+              <a:t>)</a:t>
+            </a:r>
+          </a:p>
+          <a:p>
+            <a:pPr lvl="2"/>
+            <a:r>
+              <a:rPr lang="en-US" sz="1700" dirty="0" smtClean="0"/>
+              <a:t>Engine(</a:t>
+            </a:r>
+            <a:r>
+              <a:rPr lang="zh-CN" altLang="en-US" sz="1700" dirty="0" smtClean="0"/>
+              <a:t>引擎</a:t>
+            </a:r>
+            <a:r>
+              <a:rPr lang="en-US" sz="1700" dirty="0" smtClean="0"/>
+              <a:t>)</a:t>
+            </a:r>
+          </a:p>
+          <a:p>
+            <a:pPr lvl="2"/>
+            <a:r>
+              <a:rPr lang="en-US" sz="1700" dirty="0" smtClean="0"/>
+              <a:t>Filter(</a:t>
+            </a:r>
+            <a:r>
+              <a:rPr lang="zh-CN" altLang="en-US" sz="1700" dirty="0" smtClean="0"/>
+              <a:t>过滤器</a:t>
+            </a:r>
+            <a:r>
+              <a:rPr lang="en-US" sz="1700" dirty="0" smtClean="0"/>
+              <a:t>)</a:t>
+            </a:r>
+          </a:p>
+          <a:p>
+            <a:pPr lvl="2"/>
+            <a:r>
+              <a:rPr lang="en-US" sz="1700" dirty="0" smtClean="0"/>
+              <a:t>Module(</a:t>
+            </a:r>
+            <a:r>
+              <a:rPr lang="zh-CN" altLang="en-US" sz="1700" dirty="0" smtClean="0"/>
+              <a:t>模块</a:t>
+            </a:r>
+            <a:r>
+              <a:rPr lang="en-US" sz="1700" dirty="0" smtClean="0"/>
+              <a:t>)</a:t>
+            </a:r>
+          </a:p>
+          <a:p>
+            <a:pPr lvl="2"/>
+            <a:r>
+              <a:rPr lang="en-US" sz="1700" dirty="0" smtClean="0"/>
+              <a:t>Node(</a:t>
+            </a:r>
+            <a:r>
+              <a:rPr lang="zh-CN" altLang="en-US" sz="1700" dirty="0" smtClean="0"/>
+              <a:t>节点</a:t>
+            </a:r>
+            <a:r>
+              <a:rPr lang="en-US" sz="1700" dirty="0" smtClean="0"/>
+              <a:t>)</a:t>
+            </a:r>
+          </a:p>
+          <a:p>
+            <a:pPr lvl="2"/>
+            <a:r>
+              <a:rPr lang="en-US" sz="1700" dirty="0" smtClean="0"/>
+              <a:t>Permissions(</a:t>
+            </a:r>
+            <a:r>
+              <a:rPr lang="zh-CN" altLang="en-US" sz="1700" dirty="0" smtClean="0"/>
+              <a:t>权限</a:t>
+            </a:r>
+            <a:r>
+              <a:rPr lang="en-US" sz="1700" dirty="0" smtClean="0"/>
+              <a:t>)</a:t>
+            </a:r>
+          </a:p>
+          <a:p>
+            <a:pPr lvl="2"/>
+            <a:r>
+              <a:rPr lang="en-US" sz="1700" dirty="0" smtClean="0"/>
+              <a:t>Style(</a:t>
+            </a:r>
+            <a:r>
+              <a:rPr lang="zh-CN" altLang="en-US" sz="1700" dirty="0" smtClean="0"/>
+              <a:t>样式</a:t>
+            </a:r>
+            <a:r>
+              <a:rPr lang="en-US" sz="1700" dirty="0" smtClean="0"/>
+              <a:t>)</a:t>
+            </a:r>
+          </a:p>
+          <a:p>
+            <a:pPr lvl="2"/>
+            <a:r>
+              <a:rPr lang="en-US" sz="1700" dirty="0" smtClean="0"/>
+              <a:t>Taxonomy(</a:t>
+            </a:r>
+            <a:r>
+              <a:rPr lang="zh-CN" altLang="en-US" sz="1700" dirty="0" smtClean="0"/>
+              <a:t>分类</a:t>
+            </a:r>
+            <a:r>
+              <a:rPr lang="en-US" sz="1700" dirty="0" smtClean="0"/>
+              <a:t>)</a:t>
+            </a:r>
+          </a:p>
+          <a:p>
+            <a:pPr lvl="2"/>
+            <a:r>
+              <a:rPr lang="en-US" sz="1700" dirty="0" smtClean="0"/>
+              <a:t>Template(</a:t>
+            </a:r>
+            <a:r>
+              <a:rPr lang="zh-CN" altLang="en-US" sz="1700" dirty="0" smtClean="0"/>
+              <a:t>模板</a:t>
+            </a:r>
+            <a:r>
+              <a:rPr lang="en-US" sz="1700" dirty="0" smtClean="0"/>
+              <a:t>)</a:t>
+            </a:r>
+          </a:p>
+          <a:p>
+            <a:pPr lvl="2"/>
+            <a:r>
+              <a:rPr lang="en-US" sz="1700" dirty="0" smtClean="0"/>
+              <a:t>Theme(</a:t>
+            </a:r>
+            <a:r>
+              <a:rPr lang="zh-CN" altLang="en-US" sz="1700" dirty="0" smtClean="0"/>
+              <a:t>主体</a:t>
+            </a:r>
+            <a:r>
+              <a:rPr lang="en-US" sz="1700" dirty="0" smtClean="0"/>
+              <a:t>)</a:t>
+            </a:r>
+            <a:endParaRPr lang="en-US" altLang="zh-CN" sz="1700" dirty="0" smtClean="0"/>
+          </a:p>
+          <a:p>
+            <a:pPr marL="0" indent="0">
+              <a:buNone/>
+            </a:pPr>
+            <a:endParaRPr lang="en-US" dirty="0"/>
+          </a:p>
+        </p:txBody>
+      </p:sp>
+    </p:spTree>
+    <p:extLst>
+      <p:ext uri="{BB962C8B-B14F-4D97-AF65-F5344CB8AC3E}">
+        <p14:creationId xmlns:p14="http://schemas.microsoft.com/office/powerpoint/2010/main" val="4203363901"/>
+      </p:ext>
+    </p:extLst>
+  </p:cSld>
+  <p:clrMapOvr>
+    <a:masterClrMapping/>
+  </p:clrMapOvr>
+  <p:timing>
+    <p:tnLst>
+      <p:par>
+        <p:cTn id="1" dur="indefinite" restart="never" nodeType="tmRoot"/>
+      </p:par>
+    </p:tnLst>
+  </p:timing>
+</p:sld>
+</file>
+
+<file path=ppt/slides/slide14.xml><?xml version="1.0" encoding="utf-8"?>
+<p:sld xmlns:a="http://schemas.openxmlformats.org/drawingml/2006/main" xmlns:r="http://schemas.openxmlformats.org/officeDocument/2006/relationships" xmlns:p="http://schemas.openxmlformats.org/presentationml/2006/main">
+  <p:cSld>
+    <p:spTree>
+      <p:nvGrpSpPr>
+        <p:cNvPr id="1" name=""/>
+        <p:cNvGrpSpPr/>
+        <p:nvPr/>
+      </p:nvGrpSpPr>
+      <p:grpSpPr>
+        <a:xfrm>
+          <a:off x="0" y="0"/>
+          <a:ext cx="0" cy="0"/>
+          <a:chOff x="0" y="0"/>
+          <a:chExt cx="0" cy="0"/>
+        </a:xfrm>
+      </p:grpSpPr>
+      <p:sp>
+        <p:nvSpPr>
+          <p:cNvPr id="2" name="标题 1"/>
+          <p:cNvSpPr>
+            <a:spLocks noGrp="1"/>
+          </p:cNvSpPr>
+          <p:nvPr>
+            <p:ph type="title"/>
+          </p:nvPr>
+        </p:nvSpPr>
+        <p:spPr/>
+        <p:txBody>
+          <a:bodyPr/>
+          <a:lstStyle/>
+          <a:p>
+            <a:r>
+              <a:rPr lang="en-US" altLang="zh-CN" dirty="0"/>
+              <a:t>Joomla</a:t>
+            </a:r>
+            <a:endParaRPr lang="en-US" dirty="0"/>
+          </a:p>
+        </p:txBody>
+      </p:sp>
+      <p:sp>
+        <p:nvSpPr>
+          <p:cNvPr id="3" name="内容占位符 2"/>
+          <p:cNvSpPr>
+            <a:spLocks noGrp="1"/>
+          </p:cNvSpPr>
+          <p:nvPr>
+            <p:ph idx="1"/>
+          </p:nvPr>
+        </p:nvSpPr>
+        <p:spPr/>
+        <p:txBody>
+          <a:bodyPr/>
+          <a:lstStyle/>
+          <a:p>
+            <a:pPr marL="0" indent="0">
+              <a:buNone/>
+            </a:pPr>
+            <a:r>
+              <a:rPr lang="zh-CN" altLang="en-US" dirty="0"/>
+              <a:t>开源的内容管理系统</a:t>
+            </a:r>
+            <a:r>
+              <a:rPr lang="en-US" altLang="zh-CN" dirty="0"/>
+              <a:t>(CMS)</a:t>
+            </a:r>
+          </a:p>
+          <a:p>
+            <a:pPr marL="0" indent="0">
+              <a:buNone/>
+            </a:pPr>
+            <a:r>
+              <a:rPr lang="zh-CN" altLang="en-US" dirty="0"/>
+              <a:t>特点：</a:t>
+            </a:r>
+            <a:endParaRPr lang="en-US" altLang="zh-CN" dirty="0"/>
+          </a:p>
+          <a:p>
+            <a:r>
+              <a:rPr lang="zh-CN" altLang="en-US" dirty="0"/>
+              <a:t>基于模板功能，模板丰富</a:t>
+            </a:r>
+            <a:endParaRPr lang="en-US" altLang="zh-CN" dirty="0"/>
+          </a:p>
+          <a:p>
+            <a:r>
+              <a:rPr lang="zh-CN" altLang="en-US" dirty="0"/>
+              <a:t>基于套件</a:t>
+            </a:r>
+            <a:endParaRPr lang="en-US" altLang="zh-CN" dirty="0"/>
+          </a:p>
+          <a:p>
+            <a:r>
+              <a:rPr lang="zh-CN" altLang="en-US" dirty="0"/>
+              <a:t>基于模块的权限管理</a:t>
+            </a:r>
+            <a:endParaRPr lang="en-US" altLang="zh-CN" dirty="0"/>
+          </a:p>
+          <a:p>
+            <a:endParaRPr lang="en-US" dirty="0"/>
+          </a:p>
+        </p:txBody>
+      </p:sp>
+    </p:spTree>
+    <p:extLst>
+      <p:ext uri="{BB962C8B-B14F-4D97-AF65-F5344CB8AC3E}">
+        <p14:creationId xmlns:p14="http://schemas.microsoft.com/office/powerpoint/2010/main" val="931703311"/>
+      </p:ext>
+    </p:extLst>
+  </p:cSld>
+  <p:clrMapOvr>
+    <a:masterClrMapping/>
+  </p:clrMapOvr>
+  <p:timing>
+    <p:tnLst>
+      <p:par>
+        <p:cTn id="1" dur="indefinite" restart="never" nodeType="tmRoot"/>
+      </p:par>
+    </p:tnLst>
+  </p:timing>
+</p:sld>
+</file>
+
+<file path=ppt/slides/slide15.xml><?xml version="1.0" encoding="utf-8"?>
+<p:sld xmlns:a="http://schemas.openxmlformats.org/drawingml/2006/main" xmlns:r="http://schemas.openxmlformats.org/officeDocument/2006/relationships" xmlns:p="http://schemas.openxmlformats.org/presentationml/2006/main">
+  <p:cSld>
+    <p:spTree>
+      <p:nvGrpSpPr>
+        <p:cNvPr id="1" name=""/>
+        <p:cNvGrpSpPr/>
+        <p:nvPr/>
+      </p:nvGrpSpPr>
+      <p:grpSpPr>
+        <a:xfrm>
+          <a:off x="0" y="0"/>
+          <a:ext cx="0" cy="0"/>
+          <a:chOff x="0" y="0"/>
+          <a:chExt cx="0" cy="0"/>
+        </a:xfrm>
+      </p:grpSpPr>
+      <p:sp>
+        <p:nvSpPr>
+          <p:cNvPr id="2" name="标题 1"/>
+          <p:cNvSpPr>
+            <a:spLocks noGrp="1"/>
+          </p:cNvSpPr>
+          <p:nvPr>
+            <p:ph type="title"/>
+          </p:nvPr>
+        </p:nvSpPr>
+        <p:spPr/>
+        <p:txBody>
+          <a:bodyPr/>
+          <a:lstStyle/>
+          <a:p>
+            <a:r>
+              <a:rPr lang="en-US" altLang="zh-CN" dirty="0" err="1"/>
+              <a:t>PhpBB</a:t>
+            </a:r>
+            <a:endParaRPr lang="en-US" dirty="0"/>
+          </a:p>
+        </p:txBody>
+      </p:sp>
+      <p:sp>
+        <p:nvSpPr>
+          <p:cNvPr id="3" name="内容占位符 2"/>
+          <p:cNvSpPr>
+            <a:spLocks noGrp="1"/>
+          </p:cNvSpPr>
+          <p:nvPr>
+            <p:ph idx="1"/>
+          </p:nvPr>
+        </p:nvSpPr>
+        <p:spPr/>
+        <p:txBody>
+          <a:bodyPr/>
+          <a:lstStyle/>
+          <a:p>
+            <a:pPr marL="0" indent="0">
+              <a:buNone/>
+            </a:pPr>
+            <a:r>
+              <a:rPr lang="zh-CN" altLang="en-US" dirty="0" smtClean="0"/>
+              <a:t>开放</a:t>
+            </a:r>
+            <a:r>
+              <a:rPr lang="zh-CN" altLang="en-US" dirty="0"/>
+              <a:t>源代码的网络论坛</a:t>
+            </a:r>
+            <a:r>
+              <a:rPr lang="zh-CN" altLang="en-US" dirty="0" smtClean="0"/>
+              <a:t>系统</a:t>
+            </a:r>
+            <a:endParaRPr lang="en-US" altLang="zh-CN" dirty="0" smtClean="0"/>
+          </a:p>
+          <a:p>
+            <a:pPr marL="0" indent="0">
+              <a:buNone/>
+            </a:pPr>
+            <a:endParaRPr lang="en-US" altLang="zh-CN" dirty="0" smtClean="0"/>
+          </a:p>
+          <a:p>
+            <a:r>
+              <a:rPr lang="en-US" dirty="0" err="1"/>
+              <a:t>MySQL、PostgreSQL、MSSQL、SQLite、Microsoft</a:t>
+            </a:r>
+            <a:r>
+              <a:rPr lang="en-US" dirty="0"/>
+              <a:t> Access</a:t>
+            </a:r>
+            <a:r>
+              <a:rPr lang="zh-CN" altLang="en-US" dirty="0"/>
+              <a:t>与</a:t>
+            </a:r>
+            <a:r>
+              <a:rPr lang="en-US" dirty="0"/>
+              <a:t>Oracle</a:t>
+            </a:r>
+            <a:endParaRPr lang="en-US" dirty="0"/>
+          </a:p>
+          <a:p>
+            <a:r>
+              <a:rPr lang="zh-CN" altLang="en-US" dirty="0" smtClean="0"/>
+              <a:t>模板支持，很容易修改表现样式</a:t>
+            </a:r>
+            <a:endParaRPr lang="zh-CN" altLang="en-US" dirty="0"/>
+          </a:p>
+          <a:p>
+            <a:r>
+              <a:rPr lang="zh-CN" altLang="en-US" dirty="0" smtClean="0"/>
+              <a:t>国际化，支持</a:t>
+            </a:r>
+            <a:r>
+              <a:rPr lang="en-US" altLang="zh-CN" dirty="0" smtClean="0"/>
+              <a:t>64</a:t>
+            </a:r>
+            <a:r>
+              <a:rPr lang="zh-CN" altLang="en-US" dirty="0" smtClean="0"/>
+              <a:t>种国际语言</a:t>
+            </a:r>
+            <a:endParaRPr lang="en-US" altLang="zh-CN" dirty="0" smtClean="0"/>
+          </a:p>
+          <a:p>
+            <a:r>
+              <a:rPr lang="zh-CN" altLang="en-US" dirty="0" smtClean="0"/>
+              <a:t>丰富的插件</a:t>
+            </a:r>
+            <a:endParaRPr lang="zh-CN" altLang="en-US" dirty="0"/>
+          </a:p>
+        </p:txBody>
+      </p:sp>
+    </p:spTree>
+    <p:extLst>
+      <p:ext uri="{BB962C8B-B14F-4D97-AF65-F5344CB8AC3E}">
+        <p14:creationId xmlns:p14="http://schemas.microsoft.com/office/powerpoint/2010/main" val="3502072180"/>
+      </p:ext>
+    </p:extLst>
+  </p:cSld>
+  <p:clrMapOvr>
+    <a:masterClrMapping/>
+  </p:clrMapOvr>
+</p:sld>
+</file>
+
+<file path=ppt/slides/slide16.xml><?xml version="1.0" encoding="utf-8"?>
+<p:sld xmlns:a="http://schemas.openxmlformats.org/drawingml/2006/main" xmlns:r="http://schemas.openxmlformats.org/officeDocument/2006/relationships" xmlns:p="http://schemas.openxmlformats.org/presentationml/2006/main">
+  <p:cSld>
+    <p:spTree>
+      <p:nvGrpSpPr>
+        <p:cNvPr id="1" name=""/>
+        <p:cNvGrpSpPr/>
+        <p:nvPr/>
+      </p:nvGrpSpPr>
+      <p:grpSpPr>
+        <a:xfrm>
+          <a:off x="0" y="0"/>
+          <a:ext cx="0" cy="0"/>
+          <a:chOff x="0" y="0"/>
+          <a:chExt cx="0" cy="0"/>
+        </a:xfrm>
+      </p:grpSpPr>
+      <p:sp>
+        <p:nvSpPr>
+          <p:cNvPr id="2" name="标题 1"/>
+          <p:cNvSpPr>
+            <a:spLocks noGrp="1"/>
+          </p:cNvSpPr>
+          <p:nvPr>
+            <p:ph type="title"/>
+          </p:nvPr>
+        </p:nvSpPr>
+        <p:spPr/>
+        <p:txBody>
+          <a:bodyPr/>
+          <a:lstStyle/>
+          <a:p>
+            <a:r>
+              <a:rPr lang="en-US" dirty="0" err="1"/>
+              <a:t>D</a:t>
+            </a:r>
+            <a:r>
+              <a:rPr lang="en-US" dirty="0" err="1" smtClean="0"/>
+              <a:t>iscuz</a:t>
+            </a:r>
+            <a:endParaRPr lang="en-US" dirty="0"/>
+          </a:p>
+        </p:txBody>
+      </p:sp>
+      <p:sp>
+        <p:nvSpPr>
+          <p:cNvPr id="3" name="内容占位符 2"/>
+          <p:cNvSpPr>
+            <a:spLocks noGrp="1"/>
+          </p:cNvSpPr>
+          <p:nvPr>
+            <p:ph idx="1"/>
+          </p:nvPr>
+        </p:nvSpPr>
+        <p:spPr/>
+        <p:txBody>
+          <a:bodyPr/>
+          <a:lstStyle/>
+          <a:p>
+            <a:pPr marL="0" indent="0">
+              <a:buNone/>
+            </a:pPr>
+            <a:r>
+              <a:rPr lang="en-US" altLang="zh-CN" dirty="0" smtClean="0"/>
+              <a:t>	</a:t>
+            </a:r>
+            <a:r>
+              <a:rPr lang="zh-CN" altLang="en-US" dirty="0" smtClean="0"/>
+              <a:t>社区动力</a:t>
+            </a:r>
+            <a:r>
+              <a:rPr lang="en-US" altLang="zh-CN" dirty="0" smtClean="0"/>
+              <a:t>(</a:t>
+            </a:r>
+            <a:r>
+              <a:rPr lang="en-US" dirty="0" smtClean="0"/>
+              <a:t>www.discuz.net),</a:t>
+            </a:r>
+            <a:r>
+              <a:rPr lang="zh-CN" altLang="en-US" dirty="0"/>
+              <a:t> 通用的社区论坛软件</a:t>
+            </a:r>
+            <a:r>
+              <a:rPr lang="zh-CN" altLang="en-US" dirty="0" smtClean="0"/>
+              <a:t>系统</a:t>
+            </a:r>
+            <a:endParaRPr lang="en-US" altLang="zh-CN" dirty="0" smtClean="0"/>
+          </a:p>
+          <a:p>
+            <a:pPr marL="0" indent="0">
+              <a:buNone/>
+            </a:pPr>
+            <a:endParaRPr lang="en-US" altLang="zh-CN" dirty="0"/>
+          </a:p>
+          <a:p>
+            <a:r>
+              <a:rPr lang="zh-CN" altLang="en-US" dirty="0" smtClean="0"/>
+              <a:t>访问速度快</a:t>
+            </a:r>
+            <a:endParaRPr lang="en-US" altLang="zh-CN" dirty="0" smtClean="0"/>
+          </a:p>
+          <a:p>
+            <a:r>
+              <a:rPr lang="zh-CN" altLang="en-US" dirty="0" smtClean="0"/>
+              <a:t>负载能力极佳</a:t>
+            </a:r>
+            <a:endParaRPr lang="en-US" altLang="zh-CN" dirty="0" smtClean="0"/>
+          </a:p>
+          <a:p>
+            <a:r>
+              <a:rPr lang="zh-CN" altLang="en-US" dirty="0" smtClean="0"/>
+              <a:t>支持模板功能</a:t>
+            </a:r>
+            <a:endParaRPr lang="en-US" altLang="zh-CN" dirty="0" smtClean="0"/>
+          </a:p>
+          <a:p>
+            <a:r>
+              <a:rPr lang="zh-CN" altLang="en-US" dirty="0" smtClean="0"/>
+              <a:t>功能丰富</a:t>
+            </a:r>
+            <a:endParaRPr lang="en-US" altLang="zh-CN" dirty="0" smtClean="0"/>
+          </a:p>
+        </p:txBody>
+      </p:sp>
+    </p:spTree>
+    <p:extLst>
+      <p:ext uri="{BB962C8B-B14F-4D97-AF65-F5344CB8AC3E}">
+        <p14:creationId xmlns:p14="http://schemas.microsoft.com/office/powerpoint/2010/main" val="3823677236"/>
+      </p:ext>
+    </p:extLst>
+  </p:cSld>
+  <p:clrMapOvr>
+    <a:masterClrMapping/>
+  </p:clrMapOvr>
+</p:sld>
+</file>
+
+<file path=ppt/slides/slide17.xml><?xml version="1.0" encoding="utf-8"?>
+<p:sld xmlns:a="http://schemas.openxmlformats.org/drawingml/2006/main" xmlns:r="http://schemas.openxmlformats.org/officeDocument/2006/relationships" xmlns:p="http://schemas.openxmlformats.org/presentationml/2006/main">
+  <p:cSld>
+    <p:spTree>
+      <p:nvGrpSpPr>
+        <p:cNvPr id="1" name=""/>
+        <p:cNvGrpSpPr/>
+        <p:nvPr/>
+      </p:nvGrpSpPr>
+      <p:grpSpPr>
+        <a:xfrm>
+          <a:off x="0" y="0"/>
+          <a:ext cx="0" cy="0"/>
+          <a:chOff x="0" y="0"/>
+          <a:chExt cx="0" cy="0"/>
+        </a:xfrm>
+      </p:grpSpPr>
+      <p:sp>
+        <p:nvSpPr>
+          <p:cNvPr id="2" name="标题 1"/>
+          <p:cNvSpPr>
+            <a:spLocks noGrp="1"/>
+          </p:cNvSpPr>
+          <p:nvPr>
+            <p:ph type="title"/>
+          </p:nvPr>
+        </p:nvSpPr>
+        <p:spPr/>
+        <p:txBody>
+          <a:bodyPr/>
+          <a:lstStyle/>
+          <a:p>
+            <a:r>
+              <a:rPr lang="zh-CN" altLang="en-US" dirty="0" smtClean="0"/>
+              <a:t>电子商务系统</a:t>
+            </a:r>
+            <a:endParaRPr lang="en-US" dirty="0"/>
+          </a:p>
+        </p:txBody>
+      </p:sp>
+      <p:sp>
+        <p:nvSpPr>
+          <p:cNvPr id="3" name="内容占位符 2"/>
+          <p:cNvSpPr>
+            <a:spLocks noGrp="1"/>
+          </p:cNvSpPr>
+          <p:nvPr>
+            <p:ph idx="1"/>
+          </p:nvPr>
+        </p:nvSpPr>
+        <p:spPr/>
+        <p:txBody>
+          <a:bodyPr/>
+          <a:lstStyle/>
+          <a:p>
+            <a:r>
+              <a:rPr lang="en-US" dirty="0" err="1" smtClean="0"/>
+              <a:t>ShopEX</a:t>
+            </a:r>
+            <a:endParaRPr lang="en-US" dirty="0" smtClean="0"/>
+          </a:p>
+          <a:p>
+            <a:r>
+              <a:rPr lang="en-US" dirty="0" err="1" smtClean="0"/>
+              <a:t>ECshop</a:t>
+            </a:r>
+            <a:endParaRPr lang="en-US" dirty="0"/>
+          </a:p>
+        </p:txBody>
+      </p:sp>
+    </p:spTree>
+    <p:extLst>
+      <p:ext uri="{BB962C8B-B14F-4D97-AF65-F5344CB8AC3E}">
+        <p14:creationId xmlns:p14="http://schemas.microsoft.com/office/powerpoint/2010/main" val="1591148862"/>
+      </p:ext>
+    </p:extLst>
+  </p:cSld>
+  <p:clrMapOvr>
+    <a:masterClrMapping/>
+  </p:clrMapOvr>
+</p:sld>
+</file>
+
+<file path=ppt/slides/slide18.xml><?xml version="1.0" encoding="utf-8"?>
+<p:sld xmlns:a="http://schemas.openxmlformats.org/drawingml/2006/main" xmlns:r="http://schemas.openxmlformats.org/officeDocument/2006/relationships" xmlns:p="http://schemas.openxmlformats.org/presentationml/2006/main">
+  <p:cSld>
+    <p:spTree>
+      <p:nvGrpSpPr>
+        <p:cNvPr id="1" name=""/>
+        <p:cNvGrpSpPr/>
+        <p:nvPr/>
+      </p:nvGrpSpPr>
+      <p:grpSpPr>
+        <a:xfrm>
+          <a:off x="0" y="0"/>
+          <a:ext cx="0" cy="0"/>
+          <a:chOff x="0" y="0"/>
+          <a:chExt cx="0" cy="0"/>
+        </a:xfrm>
+      </p:grpSpPr>
+      <p:sp>
+        <p:nvSpPr>
+          <p:cNvPr id="2" name="标题 1"/>
+          <p:cNvSpPr>
+            <a:spLocks noGrp="1"/>
+          </p:cNvSpPr>
+          <p:nvPr>
+            <p:ph type="title"/>
+          </p:nvPr>
+        </p:nvSpPr>
+        <p:spPr>
+          <a:xfrm>
+            <a:off x="879763" y="2775816"/>
+            <a:ext cx="10515600" cy="1325563"/>
+          </a:xfrm>
+        </p:spPr>
+        <p:txBody>
+          <a:bodyPr/>
+          <a:lstStyle/>
+          <a:p>
+            <a:pPr algn="ctr"/>
+            <a:r>
+              <a:rPr lang="en-US" dirty="0" smtClean="0"/>
+              <a:t>Q&amp;A</a:t>
+            </a:r>
+            <a:endParaRPr lang="en-US" dirty="0"/>
+          </a:p>
+        </p:txBody>
+      </p:sp>
+    </p:spTree>
+    <p:extLst>
+      <p:ext uri="{BB962C8B-B14F-4D97-AF65-F5344CB8AC3E}">
+        <p14:creationId xmlns:p14="http://schemas.microsoft.com/office/powerpoint/2010/main" val="3443442654"/>
+      </p:ext>
+    </p:extLst>
+  </p:cSld>
+  <p:clrMapOvr>
+    <a:masterClrMapping/>
+  </p:clrMapOvr>
+</p:sld>
+</file>
+
 <file path=ppt/slides/slide2.xml><?xml version="1.0" encoding="utf-8"?>
 <p:sld xmlns:a="http://schemas.openxmlformats.org/drawingml/2006/main" xmlns:r="http://schemas.openxmlformats.org/officeDocument/2006/relationships" xmlns:p="http://schemas.openxmlformats.org/presentationml/2006/main">
   <p:cSld>
@@ -3065,6 +4568,9 @@
           <a:lstStyle/>
           <a:p>
             <a:pPr marL="457200" lvl="1" indent="0">
+              <a:lnSpc>
+                <a:spcPct val="150000"/>
+              </a:lnSpc>
               <a:buNone/>
             </a:pPr>
             <a:r>
@@ -3699,12 +5205,133 @@
         </p:nvSpPr>
         <p:spPr/>
         <p:txBody>
-          <a:bodyPr/>
-          <a:lstStyle/>
-          <a:p>
-            <a:r>
-              <a:rPr lang="zh-CN" altLang="en-US" dirty="0" smtClean="0"/>
-              <a:t>入手容易</a:t>
+          <a:bodyPr>
+            <a:normAutofit fontScale="92500" lnSpcReduction="10000"/>
+          </a:bodyPr>
+          <a:lstStyle/>
+          <a:p>
+            <a:r>
+              <a:rPr lang="zh-CN" altLang="en-US" dirty="0" smtClean="0"/>
+              <a:t>入手</a:t>
+            </a:r>
+            <a:r>
+              <a:rPr lang="zh-CN" altLang="en-US" dirty="0" smtClean="0"/>
+              <a:t>容易</a:t>
+            </a:r>
+            <a:endParaRPr lang="en-US" altLang="zh-CN" dirty="0" smtClean="0"/>
+          </a:p>
+          <a:p>
+            <a:pPr marL="0" indent="0">
+              <a:buNone/>
+            </a:pPr>
+            <a:r>
+              <a:rPr lang="en-US" altLang="zh-CN" dirty="0" smtClean="0"/>
+              <a:t>	</a:t>
+            </a:r>
+            <a:r>
+              <a:rPr lang="zh-CN" altLang="en-US" dirty="0" smtClean="0"/>
+              <a:t>其语言是从</a:t>
+            </a:r>
+            <a:r>
+              <a:rPr lang="en-US" altLang="zh-CN" dirty="0" smtClean="0"/>
+              <a:t>C,C++</a:t>
+            </a:r>
+            <a:r>
+              <a:rPr lang="zh-CN" altLang="en-US" dirty="0" smtClean="0"/>
+              <a:t>继承过来，很多人在学校就熟悉</a:t>
+            </a:r>
+            <a:r>
+              <a:rPr lang="en-US" altLang="zh-CN" dirty="0" smtClean="0"/>
+              <a:t>C,C++</a:t>
+            </a:r>
+          </a:p>
+          <a:p>
+            <a:r>
+              <a:rPr lang="zh-CN" altLang="en-US" dirty="0" smtClean="0"/>
+              <a:t>基于模板</a:t>
+            </a:r>
+            <a:endParaRPr lang="en-US" altLang="zh-CN" dirty="0" smtClean="0"/>
+          </a:p>
+          <a:p>
+            <a:pPr marL="0" indent="0">
+              <a:buNone/>
+            </a:pPr>
+            <a:r>
+              <a:rPr lang="en-US" dirty="0"/>
+              <a:t>	</a:t>
+            </a:r>
+            <a:r>
+              <a:rPr lang="en-US" dirty="0" smtClean="0"/>
+              <a:t>smarty</a:t>
+            </a:r>
+          </a:p>
+          <a:p>
+            <a:r>
+              <a:rPr lang="zh-CN" altLang="en-US" dirty="0" smtClean="0"/>
+              <a:t>丰富的框架</a:t>
+            </a:r>
+            <a:endParaRPr lang="en-US" altLang="zh-CN" dirty="0" smtClean="0"/>
+          </a:p>
+          <a:p>
+            <a:pPr marL="0" indent="0">
+              <a:buNone/>
+            </a:pPr>
+            <a:r>
+              <a:rPr lang="en-US" dirty="0"/>
+              <a:t>	</a:t>
+            </a:r>
+            <a:r>
+              <a:rPr lang="en-US" altLang="zh-CN" dirty="0" err="1" smtClean="0"/>
+              <a:t>yii,thinkphp,drupal,wordpress,joomla</a:t>
+            </a:r>
+            <a:endParaRPr lang="en-US" altLang="zh-CN" dirty="0" smtClean="0"/>
+          </a:p>
+          <a:p>
+            <a:r>
+              <a:rPr lang="zh-CN" altLang="en-US" dirty="0" smtClean="0"/>
+              <a:t>跨平台性</a:t>
+            </a:r>
+            <a:endParaRPr lang="en-US" altLang="zh-CN" dirty="0" smtClean="0"/>
+          </a:p>
+          <a:p>
+            <a:pPr marL="0" indent="0">
+              <a:buNone/>
+            </a:pPr>
+            <a:r>
+              <a:rPr lang="en-US" altLang="zh-CN" dirty="0"/>
+              <a:t>	</a:t>
+            </a:r>
+            <a:r>
+              <a:rPr lang="zh-CN" altLang="en-US" dirty="0" smtClean="0"/>
+              <a:t>几乎能运行在所有的操作系统之上</a:t>
+            </a:r>
+            <a:endParaRPr lang="en-US" altLang="zh-CN" dirty="0" smtClean="0"/>
+          </a:p>
+          <a:p>
+            <a:r>
+              <a:rPr lang="zh-CN" altLang="en-US" dirty="0" smtClean="0"/>
+              <a:t>集成在</a:t>
+            </a:r>
+            <a:r>
+              <a:rPr lang="en-US" altLang="zh-CN" dirty="0" smtClean="0"/>
+              <a:t>Linux</a:t>
+            </a:r>
+          </a:p>
+          <a:p>
+            <a:pPr marL="457200" lvl="1" indent="0">
+              <a:buNone/>
+            </a:pPr>
+            <a:r>
+              <a:rPr lang="en-US" dirty="0"/>
+              <a:t>	</a:t>
+            </a:r>
+            <a:r>
+              <a:rPr lang="en-US" dirty="0" err="1" smtClean="0"/>
+              <a:t>linux</a:t>
+            </a:r>
+            <a:r>
+              <a:rPr lang="zh-CN" altLang="en-US" dirty="0" smtClean="0"/>
+              <a:t>是它赖以生存的土壤</a:t>
             </a:r>
             <a:endParaRPr lang="en-US" dirty="0"/>
           </a:p>
@@ -3714,6 +5341,499 @@
     <p:extLst>
       <p:ext uri="{BB962C8B-B14F-4D97-AF65-F5344CB8AC3E}">
         <p14:creationId xmlns:p14="http://schemas.microsoft.com/office/powerpoint/2010/main" val="1384895795"/>
+      </p:ext>
+    </p:extLst>
+  </p:cSld>
+  <p:clrMapOvr>
+    <a:masterClrMapping/>
+  </p:clrMapOvr>
+</p:sld>
+</file>
+
+<file path=ppt/slides/slide7.xml><?xml version="1.0" encoding="utf-8"?>
+<p:sld xmlns:a="http://schemas.openxmlformats.org/drawingml/2006/main" xmlns:r="http://schemas.openxmlformats.org/officeDocument/2006/relationships" xmlns:p="http://schemas.openxmlformats.org/presentationml/2006/main">
+  <p:cSld>
+    <p:spTree>
+      <p:nvGrpSpPr>
+        <p:cNvPr id="1" name=""/>
+        <p:cNvGrpSpPr/>
+        <p:nvPr/>
+      </p:nvGrpSpPr>
+      <p:grpSpPr>
+        <a:xfrm>
+          <a:off x="0" y="0"/>
+          <a:ext cx="0" cy="0"/>
+          <a:chOff x="0" y="0"/>
+          <a:chExt cx="0" cy="0"/>
+        </a:xfrm>
+      </p:grpSpPr>
+      <p:sp>
+        <p:nvSpPr>
+          <p:cNvPr id="3" name="内容占位符 2"/>
+          <p:cNvSpPr>
+            <a:spLocks noGrp="1"/>
+          </p:cNvSpPr>
+          <p:nvPr>
+            <p:ph idx="1"/>
+          </p:nvPr>
+        </p:nvSpPr>
+        <p:spPr>
+          <a:xfrm>
+            <a:off x="838200" y="803564"/>
+            <a:ext cx="10515600" cy="5373399"/>
+          </a:xfrm>
+        </p:spPr>
+        <p:txBody>
+          <a:bodyPr/>
+          <a:lstStyle/>
+          <a:p>
+            <a:r>
+              <a:rPr lang="zh-CN" altLang="en-US" dirty="0" smtClean="0"/>
+              <a:t>整个系统的体积小</a:t>
+            </a:r>
+            <a:endParaRPr lang="en-US" altLang="zh-CN" dirty="0" smtClean="0"/>
+          </a:p>
+          <a:p>
+            <a:pPr marL="0" indent="0">
+              <a:buNone/>
+            </a:pPr>
+            <a:r>
+              <a:rPr lang="en-US" dirty="0"/>
+              <a:t>	</a:t>
+            </a:r>
+            <a:r>
+              <a:rPr lang="zh-CN" altLang="en-US" dirty="0" smtClean="0"/>
+              <a:t>在一个路由器，或者树莓派上面就可以搭建一个程序</a:t>
+            </a:r>
+            <a:endParaRPr lang="en-US" altLang="zh-CN" dirty="0" smtClean="0"/>
+          </a:p>
+          <a:p>
+            <a:r>
+              <a:rPr lang="zh-CN" altLang="en-US" dirty="0" smtClean="0"/>
+              <a:t>开源免费</a:t>
+            </a:r>
+            <a:endParaRPr lang="en-US" altLang="zh-CN" dirty="0"/>
+          </a:p>
+          <a:p>
+            <a:pPr marL="0" indent="0">
+              <a:buNone/>
+            </a:pPr>
+            <a:r>
+              <a:rPr lang="en-US" altLang="zh-CN" dirty="0" smtClean="0"/>
+              <a:t>	</a:t>
+            </a:r>
+            <a:r>
+              <a:rPr lang="zh-CN" altLang="en-US" dirty="0" smtClean="0"/>
+              <a:t>几乎所有的优秀的框架都是免费开源的</a:t>
+            </a:r>
+            <a:endParaRPr lang="en-US" altLang="zh-CN" dirty="0" smtClean="0"/>
+          </a:p>
+          <a:p>
+            <a:r>
+              <a:rPr lang="zh-CN" altLang="en-US" dirty="0" smtClean="0"/>
+              <a:t>生态系统丰富</a:t>
+            </a:r>
+            <a:endParaRPr lang="en-US" altLang="zh-CN" dirty="0" smtClean="0"/>
+          </a:p>
+          <a:p>
+            <a:pPr marL="0" indent="0">
+              <a:buNone/>
+            </a:pPr>
+            <a:r>
+              <a:rPr lang="en-US" altLang="zh-CN" dirty="0"/>
+              <a:t>	</a:t>
+            </a:r>
+            <a:r>
+              <a:rPr lang="zh-CN" altLang="en-US" dirty="0" smtClean="0"/>
+              <a:t>每月</a:t>
+            </a:r>
+            <a:r>
+              <a:rPr lang="en-US" altLang="zh-CN" dirty="0" smtClean="0"/>
+              <a:t>10</a:t>
+            </a:r>
+            <a:r>
+              <a:rPr lang="zh-CN" altLang="en-US" dirty="0" smtClean="0"/>
+              <a:t>块钱或者免费就可以买一个主机</a:t>
+            </a:r>
+            <a:endParaRPr lang="en-US" altLang="zh-CN" dirty="0" smtClean="0"/>
+          </a:p>
+          <a:p>
+            <a:r>
+              <a:rPr lang="zh-CN" altLang="en-US" dirty="0" smtClean="0"/>
+              <a:t>技术成熟</a:t>
+            </a:r>
+            <a:endParaRPr lang="en-US" altLang="zh-CN" dirty="0" smtClean="0"/>
+          </a:p>
+          <a:p>
+            <a:pPr marL="0" indent="0">
+              <a:buNone/>
+            </a:pPr>
+            <a:r>
+              <a:rPr lang="en-US" altLang="zh-CN" dirty="0"/>
+              <a:t>	</a:t>
+            </a:r>
+            <a:r>
+              <a:rPr lang="zh-CN" altLang="en-US" dirty="0" smtClean="0"/>
+              <a:t>几乎所有的大公司都使用</a:t>
+            </a:r>
+            <a:endParaRPr lang="en-US" altLang="zh-CN" dirty="0" smtClean="0"/>
+          </a:p>
+        </p:txBody>
+      </p:sp>
+    </p:spTree>
+    <p:extLst>
+      <p:ext uri="{BB962C8B-B14F-4D97-AF65-F5344CB8AC3E}">
+        <p14:creationId xmlns:p14="http://schemas.microsoft.com/office/powerpoint/2010/main" val="450949380"/>
+      </p:ext>
+    </p:extLst>
+  </p:cSld>
+  <p:clrMapOvr>
+    <a:masterClrMapping/>
+  </p:clrMapOvr>
+</p:sld>
+</file>
+
+<file path=ppt/slides/slide8.xml><?xml version="1.0" encoding="utf-8"?>
+<p:sld xmlns:a="http://schemas.openxmlformats.org/drawingml/2006/main" xmlns:r="http://schemas.openxmlformats.org/officeDocument/2006/relationships" xmlns:p="http://schemas.openxmlformats.org/presentationml/2006/main">
+  <p:cSld>
+    <p:spTree>
+      <p:nvGrpSpPr>
+        <p:cNvPr id="1" name=""/>
+        <p:cNvGrpSpPr/>
+        <p:nvPr/>
+      </p:nvGrpSpPr>
+      <p:grpSpPr>
+        <a:xfrm>
+          <a:off x="0" y="0"/>
+          <a:ext cx="0" cy="0"/>
+          <a:chOff x="0" y="0"/>
+          <a:chExt cx="0" cy="0"/>
+        </a:xfrm>
+      </p:grpSpPr>
+      <p:sp>
+        <p:nvSpPr>
+          <p:cNvPr id="2" name="标题 1"/>
+          <p:cNvSpPr>
+            <a:spLocks noGrp="1"/>
+          </p:cNvSpPr>
+          <p:nvPr>
+            <p:ph type="title"/>
+          </p:nvPr>
+        </p:nvSpPr>
+        <p:spPr/>
+        <p:txBody>
+          <a:bodyPr/>
+          <a:lstStyle/>
+          <a:p>
+            <a:r>
+              <a:rPr lang="zh-CN" altLang="en-US" dirty="0" smtClean="0"/>
+              <a:t>框架</a:t>
+            </a:r>
+            <a:endParaRPr lang="en-US" dirty="0"/>
+          </a:p>
+        </p:txBody>
+      </p:sp>
+      <p:sp>
+        <p:nvSpPr>
+          <p:cNvPr id="3" name="内容占位符 2"/>
+          <p:cNvSpPr>
+            <a:spLocks noGrp="1"/>
+          </p:cNvSpPr>
+          <p:nvPr>
+            <p:ph idx="1"/>
+          </p:nvPr>
+        </p:nvSpPr>
+        <p:spPr>
+          <a:xfrm>
+            <a:off x="838200" y="1690688"/>
+            <a:ext cx="10515600" cy="4486275"/>
+          </a:xfrm>
+        </p:spPr>
+        <p:txBody>
+          <a:bodyPr/>
+          <a:lstStyle/>
+          <a:p>
+            <a:r>
+              <a:rPr lang="en-US" altLang="zh-CN" dirty="0" smtClean="0"/>
+              <a:t>Ci(</a:t>
+            </a:r>
+            <a:r>
+              <a:rPr lang="en-US" dirty="0" smtClean="0"/>
+              <a:t>www.codeigniter.com</a:t>
+            </a:r>
+            <a:r>
+              <a:rPr lang="en-US" altLang="zh-CN" dirty="0" smtClean="0"/>
+              <a:t>)</a:t>
+            </a:r>
+          </a:p>
+          <a:p>
+            <a:r>
+              <a:rPr lang="en-US" altLang="zh-CN" dirty="0" err="1" smtClean="0"/>
+              <a:t>Yii</a:t>
+            </a:r>
+            <a:r>
+              <a:rPr lang="en-US" altLang="zh-CN" dirty="0" smtClean="0"/>
+              <a:t>(</a:t>
+            </a:r>
+            <a:r>
+              <a:rPr lang="en-US" dirty="0"/>
+              <a:t>www.</a:t>
+            </a:r>
+            <a:r>
+              <a:rPr lang="en-US" b="1" dirty="0"/>
+              <a:t>yii</a:t>
+            </a:r>
+            <a:r>
+              <a:rPr lang="en-US" dirty="0"/>
+              <a:t>framework.com</a:t>
+            </a:r>
+            <a:r>
+              <a:rPr lang="en-US" altLang="zh-CN" dirty="0" smtClean="0"/>
+              <a:t>)</a:t>
+            </a:r>
+          </a:p>
+          <a:p>
+            <a:r>
+              <a:rPr lang="en-US" altLang="zh-CN" dirty="0" err="1" smtClean="0"/>
+              <a:t>ThinkPHP</a:t>
+            </a:r>
+            <a:r>
+              <a:rPr lang="en-US" altLang="zh-CN" dirty="0" smtClean="0"/>
+              <a:t>(</a:t>
+            </a:r>
+            <a:r>
+              <a:rPr lang="en-US" dirty="0" smtClean="0"/>
+              <a:t>www.</a:t>
+            </a:r>
+            <a:r>
+              <a:rPr lang="en-US" b="1" dirty="0" smtClean="0"/>
+              <a:t>thinkphp</a:t>
+            </a:r>
+            <a:r>
+              <a:rPr lang="en-US" dirty="0" smtClean="0"/>
+              <a:t>.cn</a:t>
+            </a:r>
+            <a:r>
+              <a:rPr lang="en-US" altLang="zh-CN" dirty="0" smtClean="0"/>
+              <a:t>)</a:t>
+            </a:r>
+          </a:p>
+          <a:p>
+            <a:r>
+              <a:rPr lang="en-US" altLang="zh-CN" dirty="0" smtClean="0"/>
+              <a:t>WordPress(</a:t>
+            </a:r>
+            <a:r>
+              <a:rPr lang="en-US" b="1" dirty="0" smtClean="0"/>
+              <a:t>wordpress</a:t>
+            </a:r>
+            <a:r>
+              <a:rPr lang="en-US" dirty="0" smtClean="0"/>
+              <a:t>.org</a:t>
+            </a:r>
+            <a:r>
+              <a:rPr lang="en-US" altLang="zh-CN" dirty="0" smtClean="0"/>
+              <a:t>)</a:t>
+            </a:r>
+          </a:p>
+          <a:p>
+            <a:r>
+              <a:rPr lang="en-US" altLang="zh-CN" dirty="0" smtClean="0"/>
+              <a:t>Drupal(www.drupal.org)</a:t>
+            </a:r>
+          </a:p>
+          <a:p>
+            <a:r>
+              <a:rPr lang="en-US" altLang="zh-CN" dirty="0" smtClean="0"/>
+              <a:t>Joomla(</a:t>
+            </a:r>
+            <a:r>
+              <a:rPr lang="en-US" dirty="0"/>
+              <a:t>www.</a:t>
+            </a:r>
+            <a:r>
+              <a:rPr lang="en-US" b="1" dirty="0"/>
+              <a:t>joomla</a:t>
+            </a:r>
+            <a:r>
+              <a:rPr lang="en-US" dirty="0"/>
+              <a:t>.org</a:t>
+            </a:r>
+            <a:r>
+              <a:rPr lang="en-US" altLang="zh-CN" dirty="0" smtClean="0"/>
+              <a:t>)</a:t>
+            </a:r>
+          </a:p>
+          <a:p>
+            <a:r>
+              <a:rPr lang="en-US" altLang="zh-CN" dirty="0" err="1" smtClean="0"/>
+              <a:t>PhpBB</a:t>
+            </a:r>
+            <a:r>
+              <a:rPr lang="en-US" altLang="zh-CN" dirty="0" smtClean="0"/>
+              <a:t>(</a:t>
+            </a:r>
+            <a:r>
+              <a:rPr lang="en-US" dirty="0" smtClean="0"/>
+              <a:t>www.</a:t>
+            </a:r>
+            <a:r>
+              <a:rPr lang="en-US" b="1" dirty="0" smtClean="0"/>
+              <a:t>phpbb</a:t>
+            </a:r>
+            <a:r>
+              <a:rPr lang="en-US" dirty="0" smtClean="0"/>
+              <a:t>.com</a:t>
+            </a:r>
+            <a:r>
+              <a:rPr lang="en-US" altLang="zh-CN" dirty="0" smtClean="0"/>
+              <a:t>)</a:t>
+            </a:r>
+          </a:p>
+        </p:txBody>
+      </p:sp>
+    </p:spTree>
+    <p:extLst>
+      <p:ext uri="{BB962C8B-B14F-4D97-AF65-F5344CB8AC3E}">
+        <p14:creationId xmlns:p14="http://schemas.microsoft.com/office/powerpoint/2010/main" val="745645646"/>
+      </p:ext>
+    </p:extLst>
+  </p:cSld>
+  <p:clrMapOvr>
+    <a:masterClrMapping/>
+  </p:clrMapOvr>
+</p:sld>
+</file>
+
+<file path=ppt/slides/slide9.xml><?xml version="1.0" encoding="utf-8"?>
+<p:sld xmlns:a="http://schemas.openxmlformats.org/drawingml/2006/main" xmlns:r="http://schemas.openxmlformats.org/officeDocument/2006/relationships" xmlns:p="http://schemas.openxmlformats.org/presentationml/2006/main">
+  <p:cSld>
+    <p:spTree>
+      <p:nvGrpSpPr>
+        <p:cNvPr id="1" name=""/>
+        <p:cNvGrpSpPr/>
+        <p:nvPr/>
+      </p:nvGrpSpPr>
+      <p:grpSpPr>
+        <a:xfrm>
+          <a:off x="0" y="0"/>
+          <a:ext cx="0" cy="0"/>
+          <a:chOff x="0" y="0"/>
+          <a:chExt cx="0" cy="0"/>
+        </a:xfrm>
+      </p:grpSpPr>
+      <p:sp>
+        <p:nvSpPr>
+          <p:cNvPr id="2" name="标题 1"/>
+          <p:cNvSpPr>
+            <a:spLocks noGrp="1"/>
+          </p:cNvSpPr>
+          <p:nvPr>
+            <p:ph type="title"/>
+          </p:nvPr>
+        </p:nvSpPr>
+        <p:spPr/>
+        <p:txBody>
+          <a:bodyPr/>
+          <a:lstStyle/>
+          <a:p>
+            <a:r>
+              <a:rPr lang="en-US" dirty="0" err="1" smtClean="0"/>
+              <a:t>Codeigniter</a:t>
+            </a:r>
+            <a:r>
+              <a:rPr lang="en-US" dirty="0" smtClean="0"/>
+              <a:t>(CI)</a:t>
+            </a:r>
+            <a:endParaRPr lang="en-US" dirty="0"/>
+          </a:p>
+        </p:txBody>
+      </p:sp>
+      <p:sp>
+        <p:nvSpPr>
+          <p:cNvPr id="3" name="内容占位符 2"/>
+          <p:cNvSpPr>
+            <a:spLocks noGrp="1"/>
+          </p:cNvSpPr>
+          <p:nvPr>
+            <p:ph idx="1"/>
+          </p:nvPr>
+        </p:nvSpPr>
+        <p:spPr/>
+        <p:txBody>
+          <a:bodyPr/>
+          <a:lstStyle/>
+          <a:p>
+            <a:pPr marL="0" indent="0">
+              <a:buNone/>
+            </a:pPr>
+            <a:r>
+              <a:rPr lang="en-US" altLang="zh-CN" dirty="0" smtClean="0"/>
+              <a:t>WEB</a:t>
+            </a:r>
+            <a:r>
+              <a:rPr lang="zh-CN" altLang="en-US" dirty="0" smtClean="0"/>
+              <a:t>敏捷性开发</a:t>
+            </a:r>
+            <a:r>
+              <a:rPr lang="zh-CN" altLang="en-US" dirty="0"/>
+              <a:t>框架</a:t>
+            </a:r>
+            <a:r>
+              <a:rPr lang="zh-CN" altLang="en-US" dirty="0" smtClean="0"/>
+              <a:t>的代表之作</a:t>
+            </a:r>
+            <a:endParaRPr lang="en-US" altLang="zh-CN" dirty="0" smtClean="0"/>
+          </a:p>
+          <a:p>
+            <a:pPr marL="0" indent="0">
+              <a:buNone/>
+            </a:pPr>
+            <a:endParaRPr lang="en-US" altLang="zh-CN" dirty="0" smtClean="0"/>
+          </a:p>
+          <a:p>
+            <a:pPr marL="0" indent="0">
+              <a:buNone/>
+            </a:pPr>
+            <a:r>
+              <a:rPr lang="zh-CN" altLang="en-US" dirty="0" smtClean="0"/>
+              <a:t>特点</a:t>
+            </a:r>
+            <a:r>
+              <a:rPr lang="en-US" altLang="zh-CN" dirty="0" smtClean="0"/>
+              <a:t>:</a:t>
+            </a:r>
+          </a:p>
+          <a:p>
+            <a:pPr lvl="1"/>
+            <a:r>
+              <a:rPr lang="zh-CN" altLang="en-US" dirty="0" smtClean="0"/>
+              <a:t>小巧</a:t>
+            </a:r>
+            <a:endParaRPr lang="en-US" altLang="zh-CN" dirty="0" smtClean="0"/>
+          </a:p>
+          <a:p>
+            <a:pPr lvl="1"/>
+            <a:r>
+              <a:rPr lang="zh-CN" altLang="en-US" dirty="0" smtClean="0"/>
+              <a:t>简单</a:t>
+            </a:r>
+            <a:endParaRPr lang="en-US" altLang="zh-CN" dirty="0" smtClean="0"/>
+          </a:p>
+          <a:p>
+            <a:pPr lvl="1"/>
+            <a:r>
+              <a:rPr lang="zh-CN" altLang="en-US" dirty="0" smtClean="0"/>
+              <a:t>优雅</a:t>
+            </a:r>
+            <a:endParaRPr lang="en-US" altLang="zh-CN" dirty="0" smtClean="0"/>
+          </a:p>
+        </p:txBody>
+      </p:sp>
+    </p:spTree>
+    <p:extLst>
+      <p:ext uri="{BB962C8B-B14F-4D97-AF65-F5344CB8AC3E}">
+        <p14:creationId xmlns:p14="http://schemas.microsoft.com/office/powerpoint/2010/main" val="2018073924"/>
       </p:ext>
     </p:extLst>
   </p:cSld>
